--- a/00_Dokumentation/Präsentation.pptx
+++ b/00_Dokumentation/Präsentation.pptx
@@ -5,11 +5,27 @@
     <p:sldMasterId id="2147483660" r:id="rId1"/>
   </p:sldMasterIdLst>
   <p:notesMasterIdLst>
-    <p:notesMasterId r:id="rId4"/>
+    <p:notesMasterId r:id="rId20"/>
   </p:notesMasterIdLst>
   <p:sldIdLst>
     <p:sldId id="256" r:id="rId2"/>
     <p:sldId id="259" r:id="rId3"/>
+    <p:sldId id="260" r:id="rId4"/>
+    <p:sldId id="261" r:id="rId5"/>
+    <p:sldId id="262" r:id="rId6"/>
+    <p:sldId id="263" r:id="rId7"/>
+    <p:sldId id="264" r:id="rId8"/>
+    <p:sldId id="265" r:id="rId9"/>
+    <p:sldId id="266" r:id="rId10"/>
+    <p:sldId id="267" r:id="rId11"/>
+    <p:sldId id="268" r:id="rId12"/>
+    <p:sldId id="269" r:id="rId13"/>
+    <p:sldId id="270" r:id="rId14"/>
+    <p:sldId id="271" r:id="rId15"/>
+    <p:sldId id="272" r:id="rId16"/>
+    <p:sldId id="273" r:id="rId17"/>
+    <p:sldId id="275" r:id="rId18"/>
+    <p:sldId id="274" r:id="rId19"/>
   </p:sldIdLst>
   <p:sldSz cx="12192000" cy="6858000"/>
   <p:notesSz cx="6858000" cy="9144000"/>
@@ -108,6 +124,11 @@
       </a:defRPr>
     </a:lvl9pPr>
   </p:defaultTextStyle>
+  <p:extLst>
+    <p:ext uri="{EFAFB233-063F-42B5-8137-9DF3F51BA10A}">
+      <p15:sldGuideLst xmlns:p15="http://schemas.microsoft.com/office/powerpoint/2012/main"/>
+    </p:ext>
+  </p:extLst>
 </p:presentation>
 </file>
 
@@ -193,7 +214,7 @@
           <a:p>
             <a:fld id="{1BD18E1F-400C-4A38-BF5F-6EDD7F9578A6}" type="datetimeFigureOut">
               <a:rPr lang="de-CH" smtClean="0"/>
-              <a:t>16.06.2018</a:t>
+              <a:t>16.06.18</a:t>
             </a:fld>
             <a:endParaRPr lang="de-CH"/>
           </a:p>
@@ -963,7 +984,7 @@
           <a:p>
             <a:fld id="{7FC79076-3416-4043-8572-56C24EA2A1F5}" type="datetimeFigureOut">
               <a:rPr lang="de-CH" smtClean="0"/>
-              <a:t>16.06.2018</a:t>
+              <a:t>16.06.18</a:t>
             </a:fld>
             <a:endParaRPr lang="de-CH"/>
           </a:p>
@@ -1259,7 +1280,7 @@
           <a:p>
             <a:fld id="{7FC79076-3416-4043-8572-56C24EA2A1F5}" type="datetimeFigureOut">
               <a:rPr lang="de-CH" smtClean="0"/>
-              <a:t>16.06.2018</a:t>
+              <a:t>16.06.18</a:t>
             </a:fld>
             <a:endParaRPr lang="de-CH"/>
           </a:p>
@@ -1507,7 +1528,7 @@
           <a:p>
             <a:fld id="{7FC79076-3416-4043-8572-56C24EA2A1F5}" type="datetimeFigureOut">
               <a:rPr lang="de-CH" smtClean="0"/>
-              <a:t>16.06.2018</a:t>
+              <a:t>16.06.18</a:t>
             </a:fld>
             <a:endParaRPr lang="de-CH"/>
           </a:p>
@@ -2047,7 +2068,7 @@
           <a:p>
             <a:fld id="{7FC79076-3416-4043-8572-56C24EA2A1F5}" type="datetimeFigureOut">
               <a:rPr lang="de-CH" smtClean="0"/>
-              <a:t>16.06.2018</a:t>
+              <a:t>16.06.18</a:t>
             </a:fld>
             <a:endParaRPr lang="de-CH"/>
           </a:p>
@@ -2295,7 +2316,7 @@
           <a:p>
             <a:fld id="{7FC79076-3416-4043-8572-56C24EA2A1F5}" type="datetimeFigureOut">
               <a:rPr lang="de-CH" smtClean="0"/>
-              <a:t>16.06.2018</a:t>
+              <a:t>16.06.18</a:t>
             </a:fld>
             <a:endParaRPr lang="de-CH"/>
           </a:p>
@@ -2827,7 +2848,7 @@
           <a:p>
             <a:fld id="{7FC79076-3416-4043-8572-56C24EA2A1F5}" type="datetimeFigureOut">
               <a:rPr lang="de-CH" smtClean="0"/>
-              <a:t>16.06.2018</a:t>
+              <a:t>16.06.18</a:t>
             </a:fld>
             <a:endParaRPr lang="de-CH"/>
           </a:p>
@@ -3124,7 +3145,7 @@
           <a:p>
             <a:fld id="{7FC79076-3416-4043-8572-56C24EA2A1F5}" type="datetimeFigureOut">
               <a:rPr lang="de-CH" smtClean="0"/>
-              <a:t>16.06.2018</a:t>
+              <a:t>16.06.18</a:t>
             </a:fld>
             <a:endParaRPr lang="de-CH"/>
           </a:p>
@@ -3298,7 +3319,7 @@
           <a:p>
             <a:fld id="{7FC79076-3416-4043-8572-56C24EA2A1F5}" type="datetimeFigureOut">
               <a:rPr lang="de-CH" smtClean="0"/>
-              <a:t>16.06.2018</a:t>
+              <a:t>16.06.18</a:t>
             </a:fld>
             <a:endParaRPr lang="de-CH"/>
           </a:p>
@@ -3478,7 +3499,7 @@
           <a:p>
             <a:fld id="{7FC79076-3416-4043-8572-56C24EA2A1F5}" type="datetimeFigureOut">
               <a:rPr lang="de-CH" smtClean="0"/>
-              <a:t>16.06.2018</a:t>
+              <a:t>16.06.18</a:t>
             </a:fld>
             <a:endParaRPr lang="de-CH"/>
           </a:p>
@@ -3648,7 +3669,7 @@
           <a:p>
             <a:fld id="{7FC79076-3416-4043-8572-56C24EA2A1F5}" type="datetimeFigureOut">
               <a:rPr lang="de-CH" smtClean="0"/>
-              <a:t>16.06.2018</a:t>
+              <a:t>16.06.18</a:t>
             </a:fld>
             <a:endParaRPr lang="de-CH"/>
           </a:p>
@@ -3899,7 +3920,7 @@
           <a:p>
             <a:fld id="{7FC79076-3416-4043-8572-56C24EA2A1F5}" type="datetimeFigureOut">
               <a:rPr lang="de-CH" smtClean="0"/>
-              <a:t>16.06.2018</a:t>
+              <a:t>16.06.18</a:t>
             </a:fld>
             <a:endParaRPr lang="de-CH"/>
           </a:p>
@@ -4196,7 +4217,7 @@
           <a:p>
             <a:fld id="{7FC79076-3416-4043-8572-56C24EA2A1F5}" type="datetimeFigureOut">
               <a:rPr lang="de-CH" smtClean="0"/>
-              <a:t>16.06.2018</a:t>
+              <a:t>16.06.18</a:t>
             </a:fld>
             <a:endParaRPr lang="de-CH"/>
           </a:p>
@@ -4638,7 +4659,7 @@
           <a:p>
             <a:fld id="{7FC79076-3416-4043-8572-56C24EA2A1F5}" type="datetimeFigureOut">
               <a:rPr lang="de-CH" smtClean="0"/>
-              <a:t>16.06.2018</a:t>
+              <a:t>16.06.18</a:t>
             </a:fld>
             <a:endParaRPr lang="de-CH"/>
           </a:p>
@@ -4756,7 +4777,7 @@
           <a:p>
             <a:fld id="{7FC79076-3416-4043-8572-56C24EA2A1F5}" type="datetimeFigureOut">
               <a:rPr lang="de-CH" smtClean="0"/>
-              <a:t>16.06.2018</a:t>
+              <a:t>16.06.18</a:t>
             </a:fld>
             <a:endParaRPr lang="de-CH"/>
           </a:p>
@@ -4851,7 +4872,7 @@
           <a:p>
             <a:fld id="{7FC79076-3416-4043-8572-56C24EA2A1F5}" type="datetimeFigureOut">
               <a:rPr lang="de-CH" smtClean="0"/>
-              <a:t>16.06.2018</a:t>
+              <a:t>16.06.18</a:t>
             </a:fld>
             <a:endParaRPr lang="de-CH"/>
           </a:p>
@@ -5134,7 +5155,7 @@
           <a:p>
             <a:fld id="{7FC79076-3416-4043-8572-56C24EA2A1F5}" type="datetimeFigureOut">
               <a:rPr lang="de-CH" smtClean="0"/>
-              <a:t>16.06.2018</a:t>
+              <a:t>16.06.18</a:t>
             </a:fld>
             <a:endParaRPr lang="de-CH"/>
           </a:p>
@@ -5425,7 +5446,7 @@
           <a:p>
             <a:fld id="{7FC79076-3416-4043-8572-56C24EA2A1F5}" type="datetimeFigureOut">
               <a:rPr lang="de-CH" smtClean="0"/>
-              <a:t>16.06.2018</a:t>
+              <a:t>16.06.18</a:t>
             </a:fld>
             <a:endParaRPr lang="de-CH"/>
           </a:p>
@@ -5955,7 +5976,7 @@
           <a:p>
             <a:fld id="{7FC79076-3416-4043-8572-56C24EA2A1F5}" type="datetimeFigureOut">
               <a:rPr lang="de-CH" smtClean="0"/>
-              <a:t>16.06.2018</a:t>
+              <a:t>16.06.18</a:t>
             </a:fld>
             <a:endParaRPr lang="de-CH"/>
           </a:p>
@@ -6545,6 +6566,654 @@
 </p:sld>
 </file>
 
+<file path=ppt/slides/slide10.xml><?xml version="1.0" encoding="utf-8"?>
+<p:sld xmlns:a="http://schemas.openxmlformats.org/drawingml/2006/main" xmlns:r="http://schemas.openxmlformats.org/officeDocument/2006/relationships" xmlns:p="http://schemas.openxmlformats.org/presentationml/2006/main">
+  <p:cSld>
+    <p:spTree>
+      <p:nvGrpSpPr>
+        <p:cNvPr id="1" name=""/>
+        <p:cNvGrpSpPr/>
+        <p:nvPr/>
+      </p:nvGrpSpPr>
+      <p:grpSpPr>
+        <a:xfrm>
+          <a:off x="0" y="0"/>
+          <a:ext cx="0" cy="0"/>
+          <a:chOff x="0" y="0"/>
+          <a:chExt cx="0" cy="0"/>
+        </a:xfrm>
+      </p:grpSpPr>
+      <p:sp>
+        <p:nvSpPr>
+          <p:cNvPr id="2" name="Titel 1"/>
+          <p:cNvSpPr>
+            <a:spLocks noGrp="1"/>
+          </p:cNvSpPr>
+          <p:nvPr>
+            <p:ph type="title"/>
+          </p:nvPr>
+        </p:nvSpPr>
+        <p:spPr/>
+        <p:txBody>
+          <a:bodyPr/>
+          <a:lstStyle/>
+          <a:p>
+            <a:r>
+              <a:rPr lang="de-DE" dirty="0" smtClean="0"/>
+              <a:t>GPIO ansteuern</a:t>
+            </a:r>
+            <a:endParaRPr lang="de-DE" dirty="0"/>
+          </a:p>
+        </p:txBody>
+      </p:sp>
+      <p:sp>
+        <p:nvSpPr>
+          <p:cNvPr id="3" name="Inhaltsplatzhalter 2"/>
+          <p:cNvSpPr>
+            <a:spLocks noGrp="1"/>
+          </p:cNvSpPr>
+          <p:nvPr>
+            <p:ph idx="1"/>
+          </p:nvPr>
+        </p:nvSpPr>
+        <p:spPr/>
+        <p:txBody>
+          <a:bodyPr/>
+          <a:lstStyle/>
+          <a:p>
+            <a:endParaRPr lang="de-DE"/>
+          </a:p>
+        </p:txBody>
+      </p:sp>
+    </p:spTree>
+    <p:extLst>
+      <p:ext uri="{BB962C8B-B14F-4D97-AF65-F5344CB8AC3E}">
+        <p14:creationId xmlns:p14="http://schemas.microsoft.com/office/powerpoint/2010/main" val="1491046321"/>
+      </p:ext>
+    </p:extLst>
+  </p:cSld>
+  <p:clrMapOvr>
+    <a:masterClrMapping/>
+  </p:clrMapOvr>
+</p:sld>
+</file>
+
+<file path=ppt/slides/slide11.xml><?xml version="1.0" encoding="utf-8"?>
+<p:sld xmlns:a="http://schemas.openxmlformats.org/drawingml/2006/main" xmlns:r="http://schemas.openxmlformats.org/officeDocument/2006/relationships" xmlns:p="http://schemas.openxmlformats.org/presentationml/2006/main">
+  <p:cSld>
+    <p:spTree>
+      <p:nvGrpSpPr>
+        <p:cNvPr id="1" name=""/>
+        <p:cNvGrpSpPr/>
+        <p:nvPr/>
+      </p:nvGrpSpPr>
+      <p:grpSpPr>
+        <a:xfrm>
+          <a:off x="0" y="0"/>
+          <a:ext cx="0" cy="0"/>
+          <a:chOff x="0" y="0"/>
+          <a:chExt cx="0" cy="0"/>
+        </a:xfrm>
+      </p:grpSpPr>
+      <p:sp>
+        <p:nvSpPr>
+          <p:cNvPr id="2" name="Titel 1"/>
+          <p:cNvSpPr>
+            <a:spLocks noGrp="1"/>
+          </p:cNvSpPr>
+          <p:nvPr>
+            <p:ph type="title"/>
+          </p:nvPr>
+        </p:nvSpPr>
+        <p:spPr/>
+        <p:txBody>
+          <a:bodyPr/>
+          <a:lstStyle/>
+          <a:p>
+            <a:r>
+              <a:rPr lang="de-DE" dirty="0" smtClean="0"/>
+              <a:t>PWM Lösungen</a:t>
+            </a:r>
+            <a:endParaRPr lang="de-DE" dirty="0"/>
+          </a:p>
+        </p:txBody>
+      </p:sp>
+      <p:sp>
+        <p:nvSpPr>
+          <p:cNvPr id="3" name="Inhaltsplatzhalter 2"/>
+          <p:cNvSpPr>
+            <a:spLocks noGrp="1"/>
+          </p:cNvSpPr>
+          <p:nvPr>
+            <p:ph idx="1"/>
+          </p:nvPr>
+        </p:nvSpPr>
+        <p:spPr/>
+        <p:txBody>
+          <a:bodyPr/>
+          <a:lstStyle/>
+          <a:p>
+            <a:endParaRPr lang="de-DE"/>
+          </a:p>
+        </p:txBody>
+      </p:sp>
+    </p:spTree>
+    <p:extLst>
+      <p:ext uri="{BB962C8B-B14F-4D97-AF65-F5344CB8AC3E}">
+        <p14:creationId xmlns:p14="http://schemas.microsoft.com/office/powerpoint/2010/main" val="532112049"/>
+      </p:ext>
+    </p:extLst>
+  </p:cSld>
+  <p:clrMapOvr>
+    <a:masterClrMapping/>
+  </p:clrMapOvr>
+</p:sld>
+</file>
+
+<file path=ppt/slides/slide12.xml><?xml version="1.0" encoding="utf-8"?>
+<p:sld xmlns:a="http://schemas.openxmlformats.org/drawingml/2006/main" xmlns:r="http://schemas.openxmlformats.org/officeDocument/2006/relationships" xmlns:p="http://schemas.openxmlformats.org/presentationml/2006/main">
+  <p:cSld>
+    <p:spTree>
+      <p:nvGrpSpPr>
+        <p:cNvPr id="1" name=""/>
+        <p:cNvGrpSpPr/>
+        <p:nvPr/>
+      </p:nvGrpSpPr>
+      <p:grpSpPr>
+        <a:xfrm>
+          <a:off x="0" y="0"/>
+          <a:ext cx="0" cy="0"/>
+          <a:chOff x="0" y="0"/>
+          <a:chExt cx="0" cy="0"/>
+        </a:xfrm>
+      </p:grpSpPr>
+      <p:sp>
+        <p:nvSpPr>
+          <p:cNvPr id="2" name="Titel 1"/>
+          <p:cNvSpPr>
+            <a:spLocks noGrp="1"/>
+          </p:cNvSpPr>
+          <p:nvPr>
+            <p:ph type="title"/>
+          </p:nvPr>
+        </p:nvSpPr>
+        <p:spPr/>
+        <p:txBody>
+          <a:bodyPr/>
+          <a:lstStyle/>
+          <a:p>
+            <a:r>
+              <a:rPr lang="de-DE" dirty="0" smtClean="0"/>
+              <a:t>PWM ausgeben</a:t>
+            </a:r>
+            <a:endParaRPr lang="de-DE" dirty="0"/>
+          </a:p>
+        </p:txBody>
+      </p:sp>
+      <p:sp>
+        <p:nvSpPr>
+          <p:cNvPr id="3" name="Inhaltsplatzhalter 2"/>
+          <p:cNvSpPr>
+            <a:spLocks noGrp="1"/>
+          </p:cNvSpPr>
+          <p:nvPr>
+            <p:ph idx="1"/>
+          </p:nvPr>
+        </p:nvSpPr>
+        <p:spPr/>
+        <p:txBody>
+          <a:bodyPr/>
+          <a:lstStyle/>
+          <a:p>
+            <a:endParaRPr lang="de-DE"/>
+          </a:p>
+        </p:txBody>
+      </p:sp>
+    </p:spTree>
+    <p:extLst>
+      <p:ext uri="{BB962C8B-B14F-4D97-AF65-F5344CB8AC3E}">
+        <p14:creationId xmlns:p14="http://schemas.microsoft.com/office/powerpoint/2010/main" val="1163625871"/>
+      </p:ext>
+    </p:extLst>
+  </p:cSld>
+  <p:clrMapOvr>
+    <a:masterClrMapping/>
+  </p:clrMapOvr>
+</p:sld>
+</file>
+
+<file path=ppt/slides/slide13.xml><?xml version="1.0" encoding="utf-8"?>
+<p:sld xmlns:a="http://schemas.openxmlformats.org/drawingml/2006/main" xmlns:r="http://schemas.openxmlformats.org/officeDocument/2006/relationships" xmlns:p="http://schemas.openxmlformats.org/presentationml/2006/main">
+  <p:cSld>
+    <p:spTree>
+      <p:nvGrpSpPr>
+        <p:cNvPr id="1" name=""/>
+        <p:cNvGrpSpPr/>
+        <p:nvPr/>
+      </p:nvGrpSpPr>
+      <p:grpSpPr>
+        <a:xfrm>
+          <a:off x="0" y="0"/>
+          <a:ext cx="0" cy="0"/>
+          <a:chOff x="0" y="0"/>
+          <a:chExt cx="0" cy="0"/>
+        </a:xfrm>
+      </p:grpSpPr>
+      <p:sp>
+        <p:nvSpPr>
+          <p:cNvPr id="2" name="Titel 1"/>
+          <p:cNvSpPr>
+            <a:spLocks noGrp="1"/>
+          </p:cNvSpPr>
+          <p:nvPr>
+            <p:ph type="title"/>
+          </p:nvPr>
+        </p:nvSpPr>
+        <p:spPr/>
+        <p:txBody>
+          <a:bodyPr/>
+          <a:lstStyle/>
+          <a:p>
+            <a:r>
+              <a:rPr lang="de-DE" dirty="0" err="1" smtClean="0"/>
+              <a:t>Servo</a:t>
+            </a:r>
+            <a:endParaRPr lang="de-DE" dirty="0"/>
+          </a:p>
+        </p:txBody>
+      </p:sp>
+      <p:sp>
+        <p:nvSpPr>
+          <p:cNvPr id="3" name="Inhaltsplatzhalter 2"/>
+          <p:cNvSpPr>
+            <a:spLocks noGrp="1"/>
+          </p:cNvSpPr>
+          <p:nvPr>
+            <p:ph idx="1"/>
+          </p:nvPr>
+        </p:nvSpPr>
+        <p:spPr/>
+        <p:txBody>
+          <a:bodyPr/>
+          <a:lstStyle/>
+          <a:p>
+            <a:endParaRPr lang="de-DE"/>
+          </a:p>
+        </p:txBody>
+      </p:sp>
+    </p:spTree>
+    <p:extLst>
+      <p:ext uri="{BB962C8B-B14F-4D97-AF65-F5344CB8AC3E}">
+        <p14:creationId xmlns:p14="http://schemas.microsoft.com/office/powerpoint/2010/main" val="1376145754"/>
+      </p:ext>
+    </p:extLst>
+  </p:cSld>
+  <p:clrMapOvr>
+    <a:masterClrMapping/>
+  </p:clrMapOvr>
+</p:sld>
+</file>
+
+<file path=ppt/slides/slide14.xml><?xml version="1.0" encoding="utf-8"?>
+<p:sld xmlns:a="http://schemas.openxmlformats.org/drawingml/2006/main" xmlns:r="http://schemas.openxmlformats.org/officeDocument/2006/relationships" xmlns:p="http://schemas.openxmlformats.org/presentationml/2006/main">
+  <p:cSld>
+    <p:spTree>
+      <p:nvGrpSpPr>
+        <p:cNvPr id="1" name=""/>
+        <p:cNvGrpSpPr/>
+        <p:nvPr/>
+      </p:nvGrpSpPr>
+      <p:grpSpPr>
+        <a:xfrm>
+          <a:off x="0" y="0"/>
+          <a:ext cx="0" cy="0"/>
+          <a:chOff x="0" y="0"/>
+          <a:chExt cx="0" cy="0"/>
+        </a:xfrm>
+      </p:grpSpPr>
+      <p:sp>
+        <p:nvSpPr>
+          <p:cNvPr id="2" name="Titel 1"/>
+          <p:cNvSpPr>
+            <a:spLocks noGrp="1"/>
+          </p:cNvSpPr>
+          <p:nvPr>
+            <p:ph type="title"/>
+          </p:nvPr>
+        </p:nvSpPr>
+        <p:spPr/>
+        <p:txBody>
+          <a:bodyPr/>
+          <a:lstStyle/>
+          <a:p>
+            <a:r>
+              <a:rPr lang="de-DE" dirty="0" smtClean="0"/>
+              <a:t>Idealisierung der Flugbahn</a:t>
+            </a:r>
+            <a:endParaRPr lang="de-DE" dirty="0"/>
+          </a:p>
+        </p:txBody>
+      </p:sp>
+      <p:sp>
+        <p:nvSpPr>
+          <p:cNvPr id="3" name="Inhaltsplatzhalter 2"/>
+          <p:cNvSpPr>
+            <a:spLocks noGrp="1"/>
+          </p:cNvSpPr>
+          <p:nvPr>
+            <p:ph idx="1"/>
+          </p:nvPr>
+        </p:nvSpPr>
+        <p:spPr/>
+        <p:txBody>
+          <a:bodyPr/>
+          <a:lstStyle/>
+          <a:p>
+            <a:endParaRPr lang="de-DE"/>
+          </a:p>
+        </p:txBody>
+      </p:sp>
+    </p:spTree>
+    <p:extLst>
+      <p:ext uri="{BB962C8B-B14F-4D97-AF65-F5344CB8AC3E}">
+        <p14:creationId xmlns:p14="http://schemas.microsoft.com/office/powerpoint/2010/main" val="1212676250"/>
+      </p:ext>
+    </p:extLst>
+  </p:cSld>
+  <p:clrMapOvr>
+    <a:masterClrMapping/>
+  </p:clrMapOvr>
+</p:sld>
+</file>
+
+<file path=ppt/slides/slide15.xml><?xml version="1.0" encoding="utf-8"?>
+<p:sld xmlns:a="http://schemas.openxmlformats.org/drawingml/2006/main" xmlns:r="http://schemas.openxmlformats.org/officeDocument/2006/relationships" xmlns:p="http://schemas.openxmlformats.org/presentationml/2006/main">
+  <p:cSld>
+    <p:spTree>
+      <p:nvGrpSpPr>
+        <p:cNvPr id="1" name=""/>
+        <p:cNvGrpSpPr/>
+        <p:nvPr/>
+      </p:nvGrpSpPr>
+      <p:grpSpPr>
+        <a:xfrm>
+          <a:off x="0" y="0"/>
+          <a:ext cx="0" cy="0"/>
+          <a:chOff x="0" y="0"/>
+          <a:chExt cx="0" cy="0"/>
+        </a:xfrm>
+      </p:grpSpPr>
+      <p:sp>
+        <p:nvSpPr>
+          <p:cNvPr id="2" name="Titel 1"/>
+          <p:cNvSpPr>
+            <a:spLocks noGrp="1"/>
+          </p:cNvSpPr>
+          <p:nvPr>
+            <p:ph type="title"/>
+          </p:nvPr>
+        </p:nvSpPr>
+        <p:spPr/>
+        <p:txBody>
+          <a:bodyPr/>
+          <a:lstStyle/>
+          <a:p>
+            <a:r>
+              <a:rPr lang="de-DE" dirty="0" smtClean="0"/>
+              <a:t>Demo</a:t>
+            </a:r>
+            <a:endParaRPr lang="de-DE" dirty="0"/>
+          </a:p>
+        </p:txBody>
+      </p:sp>
+      <p:sp>
+        <p:nvSpPr>
+          <p:cNvPr id="3" name="Inhaltsplatzhalter 2"/>
+          <p:cNvSpPr>
+            <a:spLocks noGrp="1"/>
+          </p:cNvSpPr>
+          <p:nvPr>
+            <p:ph idx="1"/>
+          </p:nvPr>
+        </p:nvSpPr>
+        <p:spPr/>
+        <p:txBody>
+          <a:bodyPr/>
+          <a:lstStyle/>
+          <a:p>
+            <a:endParaRPr lang="de-DE"/>
+          </a:p>
+        </p:txBody>
+      </p:sp>
+    </p:spTree>
+    <p:extLst>
+      <p:ext uri="{BB962C8B-B14F-4D97-AF65-F5344CB8AC3E}">
+        <p14:creationId xmlns:p14="http://schemas.microsoft.com/office/powerpoint/2010/main" val="1837250964"/>
+      </p:ext>
+    </p:extLst>
+  </p:cSld>
+  <p:clrMapOvr>
+    <a:masterClrMapping/>
+  </p:clrMapOvr>
+</p:sld>
+</file>
+
+<file path=ppt/slides/slide16.xml><?xml version="1.0" encoding="utf-8"?>
+<p:sld xmlns:a="http://schemas.openxmlformats.org/drawingml/2006/main" xmlns:r="http://schemas.openxmlformats.org/officeDocument/2006/relationships" xmlns:p="http://schemas.openxmlformats.org/presentationml/2006/main">
+  <p:cSld>
+    <p:spTree>
+      <p:nvGrpSpPr>
+        <p:cNvPr id="1" name=""/>
+        <p:cNvGrpSpPr/>
+        <p:nvPr/>
+      </p:nvGrpSpPr>
+      <p:grpSpPr>
+        <a:xfrm>
+          <a:off x="0" y="0"/>
+          <a:ext cx="0" cy="0"/>
+          <a:chOff x="0" y="0"/>
+          <a:chExt cx="0" cy="0"/>
+        </a:xfrm>
+      </p:grpSpPr>
+      <p:sp>
+        <p:nvSpPr>
+          <p:cNvPr id="2" name="Titel 1"/>
+          <p:cNvSpPr>
+            <a:spLocks noGrp="1"/>
+          </p:cNvSpPr>
+          <p:nvPr>
+            <p:ph type="title"/>
+          </p:nvPr>
+        </p:nvSpPr>
+        <p:spPr/>
+        <p:txBody>
+          <a:bodyPr/>
+          <a:lstStyle/>
+          <a:p>
+            <a:r>
+              <a:rPr lang="de-DE" dirty="0" smtClean="0"/>
+              <a:t>Geschwindigkeit der Erfassung</a:t>
+            </a:r>
+            <a:endParaRPr lang="de-DE" dirty="0"/>
+          </a:p>
+        </p:txBody>
+      </p:sp>
+      <p:sp>
+        <p:nvSpPr>
+          <p:cNvPr id="3" name="Inhaltsplatzhalter 2"/>
+          <p:cNvSpPr>
+            <a:spLocks noGrp="1"/>
+          </p:cNvSpPr>
+          <p:nvPr>
+            <p:ph idx="1"/>
+          </p:nvPr>
+        </p:nvSpPr>
+        <p:spPr/>
+        <p:txBody>
+          <a:bodyPr/>
+          <a:lstStyle/>
+          <a:p>
+            <a:endParaRPr lang="de-DE"/>
+          </a:p>
+        </p:txBody>
+      </p:sp>
+    </p:spTree>
+    <p:extLst>
+      <p:ext uri="{BB962C8B-B14F-4D97-AF65-F5344CB8AC3E}">
+        <p14:creationId xmlns:p14="http://schemas.microsoft.com/office/powerpoint/2010/main" val="1123401880"/>
+      </p:ext>
+    </p:extLst>
+  </p:cSld>
+  <p:clrMapOvr>
+    <a:masterClrMapping/>
+  </p:clrMapOvr>
+</p:sld>
+</file>
+
+<file path=ppt/slides/slide17.xml><?xml version="1.0" encoding="utf-8"?>
+<p:sld xmlns:a="http://schemas.openxmlformats.org/drawingml/2006/main" xmlns:r="http://schemas.openxmlformats.org/officeDocument/2006/relationships" xmlns:p="http://schemas.openxmlformats.org/presentationml/2006/main">
+  <p:cSld>
+    <p:spTree>
+      <p:nvGrpSpPr>
+        <p:cNvPr id="1" name=""/>
+        <p:cNvGrpSpPr/>
+        <p:nvPr/>
+      </p:nvGrpSpPr>
+      <p:grpSpPr>
+        <a:xfrm>
+          <a:off x="0" y="0"/>
+          <a:ext cx="0" cy="0"/>
+          <a:chOff x="0" y="0"/>
+          <a:chExt cx="0" cy="0"/>
+        </a:xfrm>
+      </p:grpSpPr>
+      <p:sp>
+        <p:nvSpPr>
+          <p:cNvPr id="2" name="Titel 1"/>
+          <p:cNvSpPr>
+            <a:spLocks noGrp="1"/>
+          </p:cNvSpPr>
+          <p:nvPr>
+            <p:ph type="title"/>
+          </p:nvPr>
+        </p:nvSpPr>
+        <p:spPr/>
+        <p:txBody>
+          <a:bodyPr/>
+          <a:lstStyle/>
+          <a:p>
+            <a:r>
+              <a:rPr lang="de-DE" dirty="0" smtClean="0"/>
+              <a:t>Koordinatensystem</a:t>
+            </a:r>
+            <a:endParaRPr lang="de-DE" dirty="0"/>
+          </a:p>
+        </p:txBody>
+      </p:sp>
+      <p:sp>
+        <p:nvSpPr>
+          <p:cNvPr id="3" name="Inhaltsplatzhalter 2"/>
+          <p:cNvSpPr>
+            <a:spLocks noGrp="1"/>
+          </p:cNvSpPr>
+          <p:nvPr>
+            <p:ph idx="1"/>
+          </p:nvPr>
+        </p:nvSpPr>
+        <p:spPr/>
+        <p:txBody>
+          <a:bodyPr/>
+          <a:lstStyle/>
+          <a:p>
+            <a:endParaRPr lang="de-DE"/>
+          </a:p>
+        </p:txBody>
+      </p:sp>
+    </p:spTree>
+    <p:extLst>
+      <p:ext uri="{BB962C8B-B14F-4D97-AF65-F5344CB8AC3E}">
+        <p14:creationId xmlns:p14="http://schemas.microsoft.com/office/powerpoint/2010/main" val="1189668921"/>
+      </p:ext>
+    </p:extLst>
+  </p:cSld>
+  <p:clrMapOvr>
+    <a:masterClrMapping/>
+  </p:clrMapOvr>
+</p:sld>
+</file>
+
+<file path=ppt/slides/slide18.xml><?xml version="1.0" encoding="utf-8"?>
+<p:sld xmlns:a="http://schemas.openxmlformats.org/drawingml/2006/main" xmlns:r="http://schemas.openxmlformats.org/officeDocument/2006/relationships" xmlns:p="http://schemas.openxmlformats.org/presentationml/2006/main">
+  <p:cSld>
+    <p:spTree>
+      <p:nvGrpSpPr>
+        <p:cNvPr id="1" name=""/>
+        <p:cNvGrpSpPr/>
+        <p:nvPr/>
+      </p:nvGrpSpPr>
+      <p:grpSpPr>
+        <a:xfrm>
+          <a:off x="0" y="0"/>
+          <a:ext cx="0" cy="0"/>
+          <a:chOff x="0" y="0"/>
+          <a:chExt cx="0" cy="0"/>
+        </a:xfrm>
+      </p:grpSpPr>
+      <p:sp>
+        <p:nvSpPr>
+          <p:cNvPr id="2" name="Titel 1"/>
+          <p:cNvSpPr>
+            <a:spLocks noGrp="1"/>
+          </p:cNvSpPr>
+          <p:nvPr>
+            <p:ph type="title"/>
+          </p:nvPr>
+        </p:nvSpPr>
+        <p:spPr/>
+        <p:txBody>
+          <a:bodyPr/>
+          <a:lstStyle/>
+          <a:p>
+            <a:r>
+              <a:rPr lang="de-DE" dirty="0" smtClean="0"/>
+              <a:t>Schlussfolgerung</a:t>
+            </a:r>
+            <a:endParaRPr lang="de-DE" dirty="0"/>
+          </a:p>
+        </p:txBody>
+      </p:sp>
+      <p:sp>
+        <p:nvSpPr>
+          <p:cNvPr id="3" name="Inhaltsplatzhalter 2"/>
+          <p:cNvSpPr>
+            <a:spLocks noGrp="1"/>
+          </p:cNvSpPr>
+          <p:nvPr>
+            <p:ph idx="1"/>
+          </p:nvPr>
+        </p:nvSpPr>
+        <p:spPr/>
+        <p:txBody>
+          <a:bodyPr/>
+          <a:lstStyle/>
+          <a:p>
+            <a:endParaRPr lang="de-DE"/>
+          </a:p>
+        </p:txBody>
+      </p:sp>
+    </p:spTree>
+    <p:extLst>
+      <p:ext uri="{BB962C8B-B14F-4D97-AF65-F5344CB8AC3E}">
+        <p14:creationId xmlns:p14="http://schemas.microsoft.com/office/powerpoint/2010/main" val="1213722107"/>
+      </p:ext>
+    </p:extLst>
+  </p:cSld>
+  <p:clrMapOvr>
+    <a:masterClrMapping/>
+  </p:clrMapOvr>
+</p:sld>
+</file>
+
 <file path=ppt/slides/slide2.xml><?xml version="1.0" encoding="utf-8"?>
 <p:sld xmlns:a="http://schemas.openxmlformats.org/drawingml/2006/main" xmlns:r="http://schemas.openxmlformats.org/officeDocument/2006/relationships" xmlns:p="http://schemas.openxmlformats.org/presentationml/2006/main">
   <p:cSld>
@@ -6653,6 +7322,526 @@
     <p:extLst>
       <p:ext uri="{BB962C8B-B14F-4D97-AF65-F5344CB8AC3E}">
         <p14:creationId xmlns:p14="http://schemas.microsoft.com/office/powerpoint/2010/main" val="4262621528"/>
+      </p:ext>
+    </p:extLst>
+  </p:cSld>
+  <p:clrMapOvr>
+    <a:masterClrMapping/>
+  </p:clrMapOvr>
+</p:sld>
+</file>
+
+<file path=ppt/slides/slide3.xml><?xml version="1.0" encoding="utf-8"?>
+<p:sld xmlns:a="http://schemas.openxmlformats.org/drawingml/2006/main" xmlns:r="http://schemas.openxmlformats.org/officeDocument/2006/relationships" xmlns:p="http://schemas.openxmlformats.org/presentationml/2006/main">
+  <p:cSld>
+    <p:spTree>
+      <p:nvGrpSpPr>
+        <p:cNvPr id="1" name=""/>
+        <p:cNvGrpSpPr/>
+        <p:nvPr/>
+      </p:nvGrpSpPr>
+      <p:grpSpPr>
+        <a:xfrm>
+          <a:off x="0" y="0"/>
+          <a:ext cx="0" cy="0"/>
+          <a:chOff x="0" y="0"/>
+          <a:chExt cx="0" cy="0"/>
+        </a:xfrm>
+      </p:grpSpPr>
+      <p:sp>
+        <p:nvSpPr>
+          <p:cNvPr id="2" name="Titel 1"/>
+          <p:cNvSpPr>
+            <a:spLocks noGrp="1"/>
+          </p:cNvSpPr>
+          <p:nvPr>
+            <p:ph type="title"/>
+          </p:nvPr>
+        </p:nvSpPr>
+        <p:spPr/>
+        <p:txBody>
+          <a:bodyPr/>
+          <a:lstStyle/>
+          <a:p>
+            <a:r>
+              <a:rPr lang="de-DE" dirty="0" smtClean="0"/>
+              <a:t>Projektspezifikation</a:t>
+            </a:r>
+            <a:endParaRPr lang="de-DE" dirty="0"/>
+          </a:p>
+        </p:txBody>
+      </p:sp>
+      <p:sp>
+        <p:nvSpPr>
+          <p:cNvPr id="3" name="Inhaltsplatzhalter 2"/>
+          <p:cNvSpPr>
+            <a:spLocks noGrp="1"/>
+          </p:cNvSpPr>
+          <p:nvPr>
+            <p:ph idx="1"/>
+          </p:nvPr>
+        </p:nvSpPr>
+        <p:spPr/>
+        <p:txBody>
+          <a:bodyPr/>
+          <a:lstStyle/>
+          <a:p>
+            <a:endParaRPr lang="de-DE"/>
+          </a:p>
+        </p:txBody>
+      </p:sp>
+    </p:spTree>
+    <p:extLst>
+      <p:ext uri="{BB962C8B-B14F-4D97-AF65-F5344CB8AC3E}">
+        <p14:creationId xmlns:p14="http://schemas.microsoft.com/office/powerpoint/2010/main" val="1582785610"/>
+      </p:ext>
+    </p:extLst>
+  </p:cSld>
+  <p:clrMapOvr>
+    <a:masterClrMapping/>
+  </p:clrMapOvr>
+</p:sld>
+</file>
+
+<file path=ppt/slides/slide4.xml><?xml version="1.0" encoding="utf-8"?>
+<p:sld xmlns:a="http://schemas.openxmlformats.org/drawingml/2006/main" xmlns:r="http://schemas.openxmlformats.org/officeDocument/2006/relationships" xmlns:p="http://schemas.openxmlformats.org/presentationml/2006/main">
+  <p:cSld>
+    <p:spTree>
+      <p:nvGrpSpPr>
+        <p:cNvPr id="1" name=""/>
+        <p:cNvGrpSpPr/>
+        <p:nvPr/>
+      </p:nvGrpSpPr>
+      <p:grpSpPr>
+        <a:xfrm>
+          <a:off x="0" y="0"/>
+          <a:ext cx="0" cy="0"/>
+          <a:chOff x="0" y="0"/>
+          <a:chExt cx="0" cy="0"/>
+        </a:xfrm>
+      </p:grpSpPr>
+      <p:sp>
+        <p:nvSpPr>
+          <p:cNvPr id="2" name="Titel 1"/>
+          <p:cNvSpPr>
+            <a:spLocks noGrp="1"/>
+          </p:cNvSpPr>
+          <p:nvPr>
+            <p:ph type="title"/>
+          </p:nvPr>
+        </p:nvSpPr>
+        <p:spPr/>
+        <p:txBody>
+          <a:bodyPr/>
+          <a:lstStyle/>
+          <a:p>
+            <a:r>
+              <a:rPr lang="de-DE" dirty="0" smtClean="0"/>
+              <a:t>Aufbau</a:t>
+            </a:r>
+            <a:endParaRPr lang="de-DE" dirty="0"/>
+          </a:p>
+        </p:txBody>
+      </p:sp>
+      <p:sp>
+        <p:nvSpPr>
+          <p:cNvPr id="3" name="Inhaltsplatzhalter 2"/>
+          <p:cNvSpPr>
+            <a:spLocks noGrp="1"/>
+          </p:cNvSpPr>
+          <p:nvPr>
+            <p:ph idx="1"/>
+          </p:nvPr>
+        </p:nvSpPr>
+        <p:spPr/>
+        <p:txBody>
+          <a:bodyPr/>
+          <a:lstStyle/>
+          <a:p>
+            <a:endParaRPr lang="de-DE"/>
+          </a:p>
+        </p:txBody>
+      </p:sp>
+    </p:spTree>
+    <p:extLst>
+      <p:ext uri="{BB962C8B-B14F-4D97-AF65-F5344CB8AC3E}">
+        <p14:creationId xmlns:p14="http://schemas.microsoft.com/office/powerpoint/2010/main" val="1607701406"/>
+      </p:ext>
+    </p:extLst>
+  </p:cSld>
+  <p:clrMapOvr>
+    <a:masterClrMapping/>
+  </p:clrMapOvr>
+</p:sld>
+</file>
+
+<file path=ppt/slides/slide5.xml><?xml version="1.0" encoding="utf-8"?>
+<p:sld xmlns:a="http://schemas.openxmlformats.org/drawingml/2006/main" xmlns:r="http://schemas.openxmlformats.org/officeDocument/2006/relationships" xmlns:p="http://schemas.openxmlformats.org/presentationml/2006/main">
+  <p:cSld>
+    <p:spTree>
+      <p:nvGrpSpPr>
+        <p:cNvPr id="1" name=""/>
+        <p:cNvGrpSpPr/>
+        <p:nvPr/>
+      </p:nvGrpSpPr>
+      <p:grpSpPr>
+        <a:xfrm>
+          <a:off x="0" y="0"/>
+          <a:ext cx="0" cy="0"/>
+          <a:chOff x="0" y="0"/>
+          <a:chExt cx="0" cy="0"/>
+        </a:xfrm>
+      </p:grpSpPr>
+      <p:sp>
+        <p:nvSpPr>
+          <p:cNvPr id="2" name="Titel 1"/>
+          <p:cNvSpPr>
+            <a:spLocks noGrp="1"/>
+          </p:cNvSpPr>
+          <p:nvPr>
+            <p:ph type="title"/>
+          </p:nvPr>
+        </p:nvSpPr>
+        <p:spPr/>
+        <p:txBody>
+          <a:bodyPr/>
+          <a:lstStyle/>
+          <a:p>
+            <a:r>
+              <a:rPr lang="de-DE" dirty="0" smtClean="0"/>
+              <a:t>On Target</a:t>
+            </a:r>
+            <a:endParaRPr lang="de-DE" dirty="0"/>
+          </a:p>
+        </p:txBody>
+      </p:sp>
+      <p:sp>
+        <p:nvSpPr>
+          <p:cNvPr id="3" name="Inhaltsplatzhalter 2"/>
+          <p:cNvSpPr>
+            <a:spLocks noGrp="1"/>
+          </p:cNvSpPr>
+          <p:nvPr>
+            <p:ph idx="1"/>
+          </p:nvPr>
+        </p:nvSpPr>
+        <p:spPr/>
+        <p:txBody>
+          <a:bodyPr/>
+          <a:lstStyle/>
+          <a:p>
+            <a:endParaRPr lang="de-DE"/>
+          </a:p>
+        </p:txBody>
+      </p:sp>
+    </p:spTree>
+    <p:extLst>
+      <p:ext uri="{BB962C8B-B14F-4D97-AF65-F5344CB8AC3E}">
+        <p14:creationId xmlns:p14="http://schemas.microsoft.com/office/powerpoint/2010/main" val="1358841199"/>
+      </p:ext>
+    </p:extLst>
+  </p:cSld>
+  <p:clrMapOvr>
+    <a:masterClrMapping/>
+  </p:clrMapOvr>
+</p:sld>
+</file>
+
+<file path=ppt/slides/slide6.xml><?xml version="1.0" encoding="utf-8"?>
+<p:sld xmlns:a="http://schemas.openxmlformats.org/drawingml/2006/main" xmlns:r="http://schemas.openxmlformats.org/officeDocument/2006/relationships" xmlns:p="http://schemas.openxmlformats.org/presentationml/2006/main">
+  <p:cSld>
+    <p:spTree>
+      <p:nvGrpSpPr>
+        <p:cNvPr id="1" name=""/>
+        <p:cNvGrpSpPr/>
+        <p:nvPr/>
+      </p:nvGrpSpPr>
+      <p:grpSpPr>
+        <a:xfrm>
+          <a:off x="0" y="0"/>
+          <a:ext cx="0" cy="0"/>
+          <a:chOff x="0" y="0"/>
+          <a:chExt cx="0" cy="0"/>
+        </a:xfrm>
+      </p:grpSpPr>
+      <p:sp>
+        <p:nvSpPr>
+          <p:cNvPr id="2" name="Titel 1"/>
+          <p:cNvSpPr>
+            <a:spLocks noGrp="1"/>
+          </p:cNvSpPr>
+          <p:nvPr>
+            <p:ph type="title"/>
+          </p:nvPr>
+        </p:nvSpPr>
+        <p:spPr/>
+        <p:txBody>
+          <a:bodyPr/>
+          <a:lstStyle/>
+          <a:p>
+            <a:r>
+              <a:rPr lang="de-DE" dirty="0" smtClean="0"/>
+              <a:t>Klassendiagramm</a:t>
+            </a:r>
+            <a:endParaRPr lang="de-DE" dirty="0"/>
+          </a:p>
+        </p:txBody>
+      </p:sp>
+      <p:sp>
+        <p:nvSpPr>
+          <p:cNvPr id="3" name="Inhaltsplatzhalter 2"/>
+          <p:cNvSpPr>
+            <a:spLocks noGrp="1"/>
+          </p:cNvSpPr>
+          <p:nvPr>
+            <p:ph idx="1"/>
+          </p:nvPr>
+        </p:nvSpPr>
+        <p:spPr/>
+        <p:txBody>
+          <a:bodyPr/>
+          <a:lstStyle/>
+          <a:p>
+            <a:endParaRPr lang="de-DE"/>
+          </a:p>
+        </p:txBody>
+      </p:sp>
+    </p:spTree>
+    <p:extLst>
+      <p:ext uri="{BB962C8B-B14F-4D97-AF65-F5344CB8AC3E}">
+        <p14:creationId xmlns:p14="http://schemas.microsoft.com/office/powerpoint/2010/main" val="895535986"/>
+      </p:ext>
+    </p:extLst>
+  </p:cSld>
+  <p:clrMapOvr>
+    <a:masterClrMapping/>
+  </p:clrMapOvr>
+</p:sld>
+</file>
+
+<file path=ppt/slides/slide7.xml><?xml version="1.0" encoding="utf-8"?>
+<p:sld xmlns:a="http://schemas.openxmlformats.org/drawingml/2006/main" xmlns:r="http://schemas.openxmlformats.org/officeDocument/2006/relationships" xmlns:p="http://schemas.openxmlformats.org/presentationml/2006/main">
+  <p:cSld>
+    <p:spTree>
+      <p:nvGrpSpPr>
+        <p:cNvPr id="1" name=""/>
+        <p:cNvGrpSpPr/>
+        <p:nvPr/>
+      </p:nvGrpSpPr>
+      <p:grpSpPr>
+        <a:xfrm>
+          <a:off x="0" y="0"/>
+          <a:ext cx="0" cy="0"/>
+          <a:chOff x="0" y="0"/>
+          <a:chExt cx="0" cy="0"/>
+        </a:xfrm>
+      </p:grpSpPr>
+      <p:sp>
+        <p:nvSpPr>
+          <p:cNvPr id="2" name="Titel 1"/>
+          <p:cNvSpPr>
+            <a:spLocks noGrp="1"/>
+          </p:cNvSpPr>
+          <p:nvPr>
+            <p:ph type="title"/>
+          </p:nvPr>
+        </p:nvSpPr>
+        <p:spPr/>
+        <p:txBody>
+          <a:bodyPr/>
+          <a:lstStyle/>
+          <a:p>
+            <a:r>
+              <a:rPr lang="de-DE" dirty="0" smtClean="0"/>
+              <a:t>Bildbearbeitung</a:t>
+            </a:r>
+            <a:endParaRPr lang="de-DE" dirty="0"/>
+          </a:p>
+        </p:txBody>
+      </p:sp>
+      <p:sp>
+        <p:nvSpPr>
+          <p:cNvPr id="3" name="Inhaltsplatzhalter 2"/>
+          <p:cNvSpPr>
+            <a:spLocks noGrp="1"/>
+          </p:cNvSpPr>
+          <p:nvPr>
+            <p:ph idx="1"/>
+          </p:nvPr>
+        </p:nvSpPr>
+        <p:spPr/>
+        <p:txBody>
+          <a:bodyPr/>
+          <a:lstStyle/>
+          <a:p>
+            <a:endParaRPr lang="de-DE"/>
+          </a:p>
+        </p:txBody>
+      </p:sp>
+    </p:spTree>
+    <p:extLst>
+      <p:ext uri="{BB962C8B-B14F-4D97-AF65-F5344CB8AC3E}">
+        <p14:creationId xmlns:p14="http://schemas.microsoft.com/office/powerpoint/2010/main" val="1981688110"/>
+      </p:ext>
+    </p:extLst>
+  </p:cSld>
+  <p:clrMapOvr>
+    <a:masterClrMapping/>
+  </p:clrMapOvr>
+</p:sld>
+</file>
+
+<file path=ppt/slides/slide8.xml><?xml version="1.0" encoding="utf-8"?>
+<p:sld xmlns:a="http://schemas.openxmlformats.org/drawingml/2006/main" xmlns:r="http://schemas.openxmlformats.org/officeDocument/2006/relationships" xmlns:p="http://schemas.openxmlformats.org/presentationml/2006/main">
+  <p:cSld>
+    <p:spTree>
+      <p:nvGrpSpPr>
+        <p:cNvPr id="1" name=""/>
+        <p:cNvGrpSpPr/>
+        <p:nvPr/>
+      </p:nvGrpSpPr>
+      <p:grpSpPr>
+        <a:xfrm>
+          <a:off x="0" y="0"/>
+          <a:ext cx="0" cy="0"/>
+          <a:chOff x="0" y="0"/>
+          <a:chExt cx="0" cy="0"/>
+        </a:xfrm>
+      </p:grpSpPr>
+      <p:sp>
+        <p:nvSpPr>
+          <p:cNvPr id="2" name="Titel 1"/>
+          <p:cNvSpPr>
+            <a:spLocks noGrp="1"/>
+          </p:cNvSpPr>
+          <p:nvPr>
+            <p:ph type="title"/>
+          </p:nvPr>
+        </p:nvSpPr>
+        <p:spPr/>
+        <p:txBody>
+          <a:bodyPr/>
+          <a:lstStyle/>
+          <a:p>
+            <a:r>
+              <a:rPr lang="de-DE" dirty="0" smtClean="0"/>
+              <a:t>Bilderkennung</a:t>
+            </a:r>
+            <a:endParaRPr lang="de-DE" dirty="0"/>
+          </a:p>
+        </p:txBody>
+      </p:sp>
+      <p:sp>
+        <p:nvSpPr>
+          <p:cNvPr id="3" name="Inhaltsplatzhalter 2"/>
+          <p:cNvSpPr>
+            <a:spLocks noGrp="1"/>
+          </p:cNvSpPr>
+          <p:nvPr>
+            <p:ph idx="1"/>
+          </p:nvPr>
+        </p:nvSpPr>
+        <p:spPr/>
+        <p:txBody>
+          <a:bodyPr/>
+          <a:lstStyle/>
+          <a:p>
+            <a:endParaRPr lang="de-DE"/>
+          </a:p>
+        </p:txBody>
+      </p:sp>
+    </p:spTree>
+    <p:extLst>
+      <p:ext uri="{BB962C8B-B14F-4D97-AF65-F5344CB8AC3E}">
+        <p14:creationId xmlns:p14="http://schemas.microsoft.com/office/powerpoint/2010/main" val="2141025952"/>
+      </p:ext>
+    </p:extLst>
+  </p:cSld>
+  <p:clrMapOvr>
+    <a:masterClrMapping/>
+  </p:clrMapOvr>
+</p:sld>
+</file>
+
+<file path=ppt/slides/slide9.xml><?xml version="1.0" encoding="utf-8"?>
+<p:sld xmlns:a="http://schemas.openxmlformats.org/drawingml/2006/main" xmlns:r="http://schemas.openxmlformats.org/officeDocument/2006/relationships" xmlns:p="http://schemas.openxmlformats.org/presentationml/2006/main">
+  <p:cSld>
+    <p:spTree>
+      <p:nvGrpSpPr>
+        <p:cNvPr id="1" name=""/>
+        <p:cNvGrpSpPr/>
+        <p:nvPr/>
+      </p:nvGrpSpPr>
+      <p:grpSpPr>
+        <a:xfrm>
+          <a:off x="0" y="0"/>
+          <a:ext cx="0" cy="0"/>
+          <a:chOff x="0" y="0"/>
+          <a:chExt cx="0" cy="0"/>
+        </a:xfrm>
+      </p:grpSpPr>
+      <p:sp>
+        <p:nvSpPr>
+          <p:cNvPr id="2" name="Titel 1"/>
+          <p:cNvSpPr>
+            <a:spLocks noGrp="1"/>
+          </p:cNvSpPr>
+          <p:nvPr>
+            <p:ph type="title"/>
+          </p:nvPr>
+        </p:nvSpPr>
+        <p:spPr/>
+        <p:txBody>
+          <a:bodyPr/>
+          <a:lstStyle/>
+          <a:p>
+            <a:r>
+              <a:rPr lang="de-DE" dirty="0" err="1" smtClean="0"/>
+              <a:t>Detection</a:t>
+            </a:r>
+            <a:r>
+              <a:rPr lang="de-DE" dirty="0" smtClean="0"/>
+              <a:t> </a:t>
+            </a:r>
+            <a:r>
+              <a:rPr lang="de-DE" dirty="0" err="1" smtClean="0"/>
+              <a:t>vs</a:t>
+            </a:r>
+            <a:r>
+              <a:rPr lang="de-DE" dirty="0" smtClean="0"/>
+              <a:t> </a:t>
+            </a:r>
+            <a:r>
+              <a:rPr lang="de-DE" dirty="0" err="1" smtClean="0"/>
+              <a:t>Tracker</a:t>
+            </a:r>
+            <a:endParaRPr lang="de-DE" dirty="0"/>
+          </a:p>
+        </p:txBody>
+      </p:sp>
+      <p:sp>
+        <p:nvSpPr>
+          <p:cNvPr id="3" name="Inhaltsplatzhalter 2"/>
+          <p:cNvSpPr>
+            <a:spLocks noGrp="1"/>
+          </p:cNvSpPr>
+          <p:nvPr>
+            <p:ph idx="1"/>
+          </p:nvPr>
+        </p:nvSpPr>
+        <p:spPr/>
+        <p:txBody>
+          <a:bodyPr/>
+          <a:lstStyle/>
+          <a:p>
+            <a:endParaRPr lang="de-DE"/>
+          </a:p>
+        </p:txBody>
+      </p:sp>
+    </p:spTree>
+    <p:extLst>
+      <p:ext uri="{BB962C8B-B14F-4D97-AF65-F5344CB8AC3E}">
+        <p14:creationId xmlns:p14="http://schemas.microsoft.com/office/powerpoint/2010/main" val="1835470089"/>
       </p:ext>
     </p:extLst>
   </p:cSld>

--- a/00_Dokumentation/Präsentation.pptx
+++ b/00_Dokumentation/Präsentation.pptx
@@ -3587,7 +3587,12 @@
             <p:ph type="title"/>
           </p:nvPr>
         </p:nvSpPr>
-        <p:spPr/>
+        <p:spPr>
+          <a:xfrm>
+            <a:off x="1484311" y="13146"/>
+            <a:ext cx="10018713" cy="1174524"/>
+          </a:xfrm>
+        </p:spPr>
         <p:txBody>
           <a:bodyPr/>
           <a:lstStyle/>
@@ -3610,7 +3615,12 @@
             <p:ph idx="1"/>
           </p:nvPr>
         </p:nvSpPr>
-        <p:spPr/>
+        <p:spPr>
+          <a:xfrm>
+            <a:off x="1484310" y="1366345"/>
+            <a:ext cx="10018713" cy="4424855"/>
+          </a:xfrm>
+        </p:spPr>
         <p:txBody>
           <a:bodyPr anchor="ctr"/>
           <a:lstStyle/>
@@ -7458,7 +7468,7 @@
           <a:bodyPr/>
           <a:lstStyle/>
           <a:p>
-            <a:endParaRPr lang="de-DE"/>
+            <a:endParaRPr lang="de-DE" dirty="0"/>
           </a:p>
         </p:txBody>
       </p:sp>

--- a/00_Dokumentation/Präsentation.pptx
+++ b/00_Dokumentation/Präsentation.pptx
@@ -5,7 +5,7 @@
     <p:sldMasterId id="2147483660" r:id="rId1"/>
   </p:sldMasterIdLst>
   <p:notesMasterIdLst>
-    <p:notesMasterId r:id="rId20"/>
+    <p:notesMasterId r:id="rId22"/>
   </p:notesMasterIdLst>
   <p:sldIdLst>
     <p:sldId id="256" r:id="rId2"/>
@@ -14,18 +14,20 @@
     <p:sldId id="261" r:id="rId5"/>
     <p:sldId id="262" r:id="rId6"/>
     <p:sldId id="263" r:id="rId7"/>
-    <p:sldId id="264" r:id="rId8"/>
-    <p:sldId id="265" r:id="rId9"/>
-    <p:sldId id="266" r:id="rId10"/>
-    <p:sldId id="267" r:id="rId11"/>
-    <p:sldId id="268" r:id="rId12"/>
-    <p:sldId id="269" r:id="rId13"/>
-    <p:sldId id="270" r:id="rId14"/>
-    <p:sldId id="271" r:id="rId15"/>
-    <p:sldId id="272" r:id="rId16"/>
-    <p:sldId id="273" r:id="rId17"/>
-    <p:sldId id="275" r:id="rId18"/>
-    <p:sldId id="274" r:id="rId19"/>
+    <p:sldId id="277" r:id="rId8"/>
+    <p:sldId id="264" r:id="rId9"/>
+    <p:sldId id="265" r:id="rId10"/>
+    <p:sldId id="276" r:id="rId11"/>
+    <p:sldId id="266" r:id="rId12"/>
+    <p:sldId id="267" r:id="rId13"/>
+    <p:sldId id="268" r:id="rId14"/>
+    <p:sldId id="269" r:id="rId15"/>
+    <p:sldId id="270" r:id="rId16"/>
+    <p:sldId id="271" r:id="rId17"/>
+    <p:sldId id="272" r:id="rId18"/>
+    <p:sldId id="273" r:id="rId19"/>
+    <p:sldId id="275" r:id="rId20"/>
+    <p:sldId id="274" r:id="rId21"/>
   </p:sldIdLst>
   <p:sldSz cx="12192000" cy="6858000"/>
   <p:notesSz cx="6858000" cy="9144000"/>
@@ -214,7 +216,7 @@
           <a:p>
             <a:fld id="{1BD18E1F-400C-4A38-BF5F-6EDD7F9578A6}" type="datetimeFigureOut">
               <a:rPr lang="de-CH" smtClean="0"/>
-              <a:t>16.06.18</a:t>
+              <a:t>16.06.2018</a:t>
             </a:fld>
             <a:endParaRPr lang="de-CH"/>
           </a:p>
@@ -984,7 +986,7 @@
           <a:p>
             <a:fld id="{7FC79076-3416-4043-8572-56C24EA2A1F5}" type="datetimeFigureOut">
               <a:rPr lang="de-CH" smtClean="0"/>
-              <a:t>16.06.18</a:t>
+              <a:t>16.06.2018</a:t>
             </a:fld>
             <a:endParaRPr lang="de-CH"/>
           </a:p>
@@ -1280,7 +1282,7 @@
           <a:p>
             <a:fld id="{7FC79076-3416-4043-8572-56C24EA2A1F5}" type="datetimeFigureOut">
               <a:rPr lang="de-CH" smtClean="0"/>
-              <a:t>16.06.18</a:t>
+              <a:t>16.06.2018</a:t>
             </a:fld>
             <a:endParaRPr lang="de-CH"/>
           </a:p>
@@ -1528,7 +1530,7 @@
           <a:p>
             <a:fld id="{7FC79076-3416-4043-8572-56C24EA2A1F5}" type="datetimeFigureOut">
               <a:rPr lang="de-CH" smtClean="0"/>
-              <a:t>16.06.18</a:t>
+              <a:t>16.06.2018</a:t>
             </a:fld>
             <a:endParaRPr lang="de-CH"/>
           </a:p>
@@ -2068,7 +2070,7 @@
           <a:p>
             <a:fld id="{7FC79076-3416-4043-8572-56C24EA2A1F5}" type="datetimeFigureOut">
               <a:rPr lang="de-CH" smtClean="0"/>
-              <a:t>16.06.18</a:t>
+              <a:t>16.06.2018</a:t>
             </a:fld>
             <a:endParaRPr lang="de-CH"/>
           </a:p>
@@ -2316,7 +2318,7 @@
           <a:p>
             <a:fld id="{7FC79076-3416-4043-8572-56C24EA2A1F5}" type="datetimeFigureOut">
               <a:rPr lang="de-CH" smtClean="0"/>
-              <a:t>16.06.18</a:t>
+              <a:t>16.06.2018</a:t>
             </a:fld>
             <a:endParaRPr lang="de-CH"/>
           </a:p>
@@ -2848,7 +2850,7 @@
           <a:p>
             <a:fld id="{7FC79076-3416-4043-8572-56C24EA2A1F5}" type="datetimeFigureOut">
               <a:rPr lang="de-CH" smtClean="0"/>
-              <a:t>16.06.18</a:t>
+              <a:t>16.06.2018</a:t>
             </a:fld>
             <a:endParaRPr lang="de-CH"/>
           </a:p>
@@ -3145,7 +3147,7 @@
           <a:p>
             <a:fld id="{7FC79076-3416-4043-8572-56C24EA2A1F5}" type="datetimeFigureOut">
               <a:rPr lang="de-CH" smtClean="0"/>
-              <a:t>16.06.18</a:t>
+              <a:t>16.06.2018</a:t>
             </a:fld>
             <a:endParaRPr lang="de-CH"/>
           </a:p>
@@ -3319,7 +3321,7 @@
           <a:p>
             <a:fld id="{7FC79076-3416-4043-8572-56C24EA2A1F5}" type="datetimeFigureOut">
               <a:rPr lang="de-CH" smtClean="0"/>
-              <a:t>16.06.18</a:t>
+              <a:t>16.06.2018</a:t>
             </a:fld>
             <a:endParaRPr lang="de-CH"/>
           </a:p>
@@ -3499,7 +3501,7 @@
           <a:p>
             <a:fld id="{7FC79076-3416-4043-8572-56C24EA2A1F5}" type="datetimeFigureOut">
               <a:rPr lang="de-CH" smtClean="0"/>
-              <a:t>16.06.18</a:t>
+              <a:t>16.06.2018</a:t>
             </a:fld>
             <a:endParaRPr lang="de-CH"/>
           </a:p>
@@ -3679,7 +3681,7 @@
           <a:p>
             <a:fld id="{7FC79076-3416-4043-8572-56C24EA2A1F5}" type="datetimeFigureOut">
               <a:rPr lang="de-CH" smtClean="0"/>
-              <a:t>16.06.18</a:t>
+              <a:t>16.06.2018</a:t>
             </a:fld>
             <a:endParaRPr lang="de-CH"/>
           </a:p>
@@ -3930,7 +3932,7 @@
           <a:p>
             <a:fld id="{7FC79076-3416-4043-8572-56C24EA2A1F5}" type="datetimeFigureOut">
               <a:rPr lang="de-CH" smtClean="0"/>
-              <a:t>16.06.18</a:t>
+              <a:t>16.06.2018</a:t>
             </a:fld>
             <a:endParaRPr lang="de-CH"/>
           </a:p>
@@ -4227,7 +4229,7 @@
           <a:p>
             <a:fld id="{7FC79076-3416-4043-8572-56C24EA2A1F5}" type="datetimeFigureOut">
               <a:rPr lang="de-CH" smtClean="0"/>
-              <a:t>16.06.18</a:t>
+              <a:t>16.06.2018</a:t>
             </a:fld>
             <a:endParaRPr lang="de-CH"/>
           </a:p>
@@ -4669,7 +4671,7 @@
           <a:p>
             <a:fld id="{7FC79076-3416-4043-8572-56C24EA2A1F5}" type="datetimeFigureOut">
               <a:rPr lang="de-CH" smtClean="0"/>
-              <a:t>16.06.18</a:t>
+              <a:t>16.06.2018</a:t>
             </a:fld>
             <a:endParaRPr lang="de-CH"/>
           </a:p>
@@ -4787,7 +4789,7 @@
           <a:p>
             <a:fld id="{7FC79076-3416-4043-8572-56C24EA2A1F5}" type="datetimeFigureOut">
               <a:rPr lang="de-CH" smtClean="0"/>
-              <a:t>16.06.18</a:t>
+              <a:t>16.06.2018</a:t>
             </a:fld>
             <a:endParaRPr lang="de-CH"/>
           </a:p>
@@ -4882,7 +4884,7 @@
           <a:p>
             <a:fld id="{7FC79076-3416-4043-8572-56C24EA2A1F5}" type="datetimeFigureOut">
               <a:rPr lang="de-CH" smtClean="0"/>
-              <a:t>16.06.18</a:t>
+              <a:t>16.06.2018</a:t>
             </a:fld>
             <a:endParaRPr lang="de-CH"/>
           </a:p>
@@ -5165,7 +5167,7 @@
           <a:p>
             <a:fld id="{7FC79076-3416-4043-8572-56C24EA2A1F5}" type="datetimeFigureOut">
               <a:rPr lang="de-CH" smtClean="0"/>
-              <a:t>16.06.18</a:t>
+              <a:t>16.06.2018</a:t>
             </a:fld>
             <a:endParaRPr lang="de-CH"/>
           </a:p>
@@ -5456,7 +5458,7 @@
           <a:p>
             <a:fld id="{7FC79076-3416-4043-8572-56C24EA2A1F5}" type="datetimeFigureOut">
               <a:rPr lang="de-CH" smtClean="0"/>
-              <a:t>16.06.18</a:t>
+              <a:t>16.06.2018</a:t>
             </a:fld>
             <a:endParaRPr lang="de-CH"/>
           </a:p>
@@ -5986,7 +5988,7 @@
           <a:p>
             <a:fld id="{7FC79076-3416-4043-8572-56C24EA2A1F5}" type="datetimeFigureOut">
               <a:rPr lang="de-CH" smtClean="0"/>
-              <a:t>16.06.18</a:t>
+              <a:t>16.06.2018</a:t>
             </a:fld>
             <a:endParaRPr lang="de-CH"/>
           </a:p>
@@ -6610,35 +6612,69 @@
           <a:p>
             <a:r>
               <a:rPr lang="de-DE" dirty="0" smtClean="0"/>
-              <a:t>GPIO ansteuern</a:t>
+              <a:t>Bilderkennung</a:t>
             </a:r>
             <a:endParaRPr lang="de-DE" dirty="0"/>
           </a:p>
         </p:txBody>
       </p:sp>
-      <p:sp>
-        <p:nvSpPr>
-          <p:cNvPr id="3" name="Inhaltsplatzhalter 2"/>
-          <p:cNvSpPr>
-            <a:spLocks noGrp="1"/>
-          </p:cNvSpPr>
-          <p:nvPr>
-            <p:ph idx="1"/>
-          </p:nvPr>
-        </p:nvSpPr>
-        <p:spPr/>
-        <p:txBody>
-          <a:bodyPr/>
-          <a:lstStyle/>
-          <a:p>
-            <a:endParaRPr lang="de-DE"/>
-          </a:p>
-        </p:txBody>
-      </p:sp>
+      <p:pic>
+        <p:nvPicPr>
+          <p:cNvPr id="7" name="Grafik 6"/>
+          <p:cNvPicPr>
+            <a:picLocks noChangeAspect="1"/>
+          </p:cNvPicPr>
+          <p:nvPr/>
+        </p:nvPicPr>
+        <p:blipFill>
+          <a:blip r:embed="rId2"/>
+          <a:stretch>
+            <a:fillRect/>
+          </a:stretch>
+        </p:blipFill>
+        <p:spPr>
+          <a:xfrm>
+            <a:off x="1408111" y="1161603"/>
+            <a:ext cx="2071405" cy="4642298"/>
+          </a:xfrm>
+          <a:prstGeom prst="rect">
+            <a:avLst/>
+          </a:prstGeom>
+        </p:spPr>
+      </p:pic>
+      <p:pic>
+        <p:nvPicPr>
+          <p:cNvPr id="8" name="Grafik 7"/>
+          <p:cNvPicPr>
+            <a:picLocks noChangeAspect="1"/>
+          </p:cNvPicPr>
+          <p:nvPr/>
+        </p:nvPicPr>
+        <p:blipFill rotWithShape="1">
+          <a:blip r:embed="rId3">
+            <a:extLst>
+              <a:ext uri="{28A0092B-C50C-407E-A947-70E740481C1C}">
+                <a14:useLocalDpi xmlns:a14="http://schemas.microsoft.com/office/drawing/2010/main" val="0"/>
+              </a:ext>
+            </a:extLst>
+          </a:blip>
+          <a:srcRect l="55344" t="4140" r="12838" b="51994"/>
+          <a:stretch/>
+        </p:blipFill>
+        <p:spPr>
+          <a:xfrm>
+            <a:off x="4089400" y="958404"/>
+            <a:ext cx="6845300" cy="5308600"/>
+          </a:xfrm>
+          <a:prstGeom prst="rect">
+            <a:avLst/>
+          </a:prstGeom>
+        </p:spPr>
+      </p:pic>
     </p:spTree>
     <p:extLst>
       <p:ext uri="{BB962C8B-B14F-4D97-AF65-F5344CB8AC3E}">
-        <p14:creationId xmlns:p14="http://schemas.microsoft.com/office/powerpoint/2010/main" val="1491046321"/>
+        <p14:creationId xmlns:p14="http://schemas.microsoft.com/office/powerpoint/2010/main" val="2113471670"/>
       </p:ext>
     </p:extLst>
   </p:cSld>
@@ -6681,8 +6717,24 @@
           <a:lstStyle/>
           <a:p>
             <a:r>
+              <a:rPr lang="de-DE" dirty="0" err="1" smtClean="0"/>
+              <a:t>Detection</a:t>
+            </a:r>
+            <a:r>
               <a:rPr lang="de-DE" dirty="0" smtClean="0"/>
-              <a:t>PWM Lösungen</a:t>
+              <a:t> </a:t>
+            </a:r>
+            <a:r>
+              <a:rPr lang="de-DE" dirty="0" err="1" smtClean="0"/>
+              <a:t>vs</a:t>
+            </a:r>
+            <a:r>
+              <a:rPr lang="de-DE" dirty="0" smtClean="0"/>
+              <a:t> </a:t>
+            </a:r>
+            <a:r>
+              <a:rPr lang="de-DE" dirty="0" err="1" smtClean="0"/>
+              <a:t>Tracker</a:t>
             </a:r>
             <a:endParaRPr lang="de-DE" dirty="0"/>
           </a:p>
@@ -6710,7 +6762,7 @@
     </p:spTree>
     <p:extLst>
       <p:ext uri="{BB962C8B-B14F-4D97-AF65-F5344CB8AC3E}">
-        <p14:creationId xmlns:p14="http://schemas.microsoft.com/office/powerpoint/2010/main" val="532112049"/>
+        <p14:creationId xmlns:p14="http://schemas.microsoft.com/office/powerpoint/2010/main" val="1835470089"/>
       </p:ext>
     </p:extLst>
   </p:cSld>
@@ -6754,7 +6806,7 @@
           <a:p>
             <a:r>
               <a:rPr lang="de-DE" dirty="0" smtClean="0"/>
-              <a:t>PWM ausgeben</a:t>
+              <a:t>GPIO ansteuern</a:t>
             </a:r>
             <a:endParaRPr lang="de-DE" dirty="0"/>
           </a:p>
@@ -6782,7 +6834,7 @@
     </p:spTree>
     <p:extLst>
       <p:ext uri="{BB962C8B-B14F-4D97-AF65-F5344CB8AC3E}">
-        <p14:creationId xmlns:p14="http://schemas.microsoft.com/office/powerpoint/2010/main" val="1163625871"/>
+        <p14:creationId xmlns:p14="http://schemas.microsoft.com/office/powerpoint/2010/main" val="1491046321"/>
       </p:ext>
     </p:extLst>
   </p:cSld>
@@ -6825,8 +6877,8 @@
           <a:lstStyle/>
           <a:p>
             <a:r>
-              <a:rPr lang="de-DE" dirty="0" err="1" smtClean="0"/>
-              <a:t>Servo</a:t>
+              <a:rPr lang="de-DE" dirty="0" smtClean="0"/>
+              <a:t>PWM Lösungen</a:t>
             </a:r>
             <a:endParaRPr lang="de-DE" dirty="0"/>
           </a:p>
@@ -6854,7 +6906,7 @@
     </p:spTree>
     <p:extLst>
       <p:ext uri="{BB962C8B-B14F-4D97-AF65-F5344CB8AC3E}">
-        <p14:creationId xmlns:p14="http://schemas.microsoft.com/office/powerpoint/2010/main" val="1376145754"/>
+        <p14:creationId xmlns:p14="http://schemas.microsoft.com/office/powerpoint/2010/main" val="532112049"/>
       </p:ext>
     </p:extLst>
   </p:cSld>
@@ -6898,7 +6950,7 @@
           <a:p>
             <a:r>
               <a:rPr lang="de-DE" dirty="0" smtClean="0"/>
-              <a:t>Idealisierung der Flugbahn</a:t>
+              <a:t>PWM ausgeben</a:t>
             </a:r>
             <a:endParaRPr lang="de-DE" dirty="0"/>
           </a:p>
@@ -6926,7 +6978,7 @@
     </p:spTree>
     <p:extLst>
       <p:ext uri="{BB962C8B-B14F-4D97-AF65-F5344CB8AC3E}">
-        <p14:creationId xmlns:p14="http://schemas.microsoft.com/office/powerpoint/2010/main" val="1212676250"/>
+        <p14:creationId xmlns:p14="http://schemas.microsoft.com/office/powerpoint/2010/main" val="1163625871"/>
       </p:ext>
     </p:extLst>
   </p:cSld>
@@ -6969,8 +7021,8 @@
           <a:lstStyle/>
           <a:p>
             <a:r>
-              <a:rPr lang="de-DE" dirty="0" smtClean="0"/>
-              <a:t>Demo</a:t>
+              <a:rPr lang="de-DE" dirty="0" err="1" smtClean="0"/>
+              <a:t>Servo</a:t>
             </a:r>
             <a:endParaRPr lang="de-DE" dirty="0"/>
           </a:p>
@@ -6998,7 +7050,7 @@
     </p:spTree>
     <p:extLst>
       <p:ext uri="{BB962C8B-B14F-4D97-AF65-F5344CB8AC3E}">
-        <p14:creationId xmlns:p14="http://schemas.microsoft.com/office/powerpoint/2010/main" val="1837250964"/>
+        <p14:creationId xmlns:p14="http://schemas.microsoft.com/office/powerpoint/2010/main" val="1376145754"/>
       </p:ext>
     </p:extLst>
   </p:cSld>
@@ -7042,7 +7094,7 @@
           <a:p>
             <a:r>
               <a:rPr lang="de-DE" dirty="0" smtClean="0"/>
-              <a:t>Geschwindigkeit der Erfassung</a:t>
+              <a:t>Idealisierung der Flugbahn</a:t>
             </a:r>
             <a:endParaRPr lang="de-DE" dirty="0"/>
           </a:p>
@@ -7070,7 +7122,7 @@
     </p:spTree>
     <p:extLst>
       <p:ext uri="{BB962C8B-B14F-4D97-AF65-F5344CB8AC3E}">
-        <p14:creationId xmlns:p14="http://schemas.microsoft.com/office/powerpoint/2010/main" val="1123401880"/>
+        <p14:creationId xmlns:p14="http://schemas.microsoft.com/office/powerpoint/2010/main" val="1212676250"/>
       </p:ext>
     </p:extLst>
   </p:cSld>
@@ -7114,7 +7166,7 @@
           <a:p>
             <a:r>
               <a:rPr lang="de-DE" dirty="0" smtClean="0"/>
-              <a:t>Koordinatensystem</a:t>
+              <a:t>Demo</a:t>
             </a:r>
             <a:endParaRPr lang="de-DE" dirty="0"/>
           </a:p>
@@ -7142,7 +7194,7 @@
     </p:spTree>
     <p:extLst>
       <p:ext uri="{BB962C8B-B14F-4D97-AF65-F5344CB8AC3E}">
-        <p14:creationId xmlns:p14="http://schemas.microsoft.com/office/powerpoint/2010/main" val="1189668921"/>
+        <p14:creationId xmlns:p14="http://schemas.microsoft.com/office/powerpoint/2010/main" val="1837250964"/>
       </p:ext>
     </p:extLst>
   </p:cSld>
@@ -7186,7 +7238,7 @@
           <a:p>
             <a:r>
               <a:rPr lang="de-DE" dirty="0" smtClean="0"/>
-              <a:t>Schlussfolgerung</a:t>
+              <a:t>Geschwindigkeit der Erfassung</a:t>
             </a:r>
             <a:endParaRPr lang="de-DE" dirty="0"/>
           </a:p>
@@ -7214,7 +7266,79 @@
     </p:spTree>
     <p:extLst>
       <p:ext uri="{BB962C8B-B14F-4D97-AF65-F5344CB8AC3E}">
-        <p14:creationId xmlns:p14="http://schemas.microsoft.com/office/powerpoint/2010/main" val="1213722107"/>
+        <p14:creationId xmlns:p14="http://schemas.microsoft.com/office/powerpoint/2010/main" val="1123401880"/>
+      </p:ext>
+    </p:extLst>
+  </p:cSld>
+  <p:clrMapOvr>
+    <a:masterClrMapping/>
+  </p:clrMapOvr>
+</p:sld>
+</file>
+
+<file path=ppt/slides/slide19.xml><?xml version="1.0" encoding="utf-8"?>
+<p:sld xmlns:a="http://schemas.openxmlformats.org/drawingml/2006/main" xmlns:r="http://schemas.openxmlformats.org/officeDocument/2006/relationships" xmlns:p="http://schemas.openxmlformats.org/presentationml/2006/main">
+  <p:cSld>
+    <p:spTree>
+      <p:nvGrpSpPr>
+        <p:cNvPr id="1" name=""/>
+        <p:cNvGrpSpPr/>
+        <p:nvPr/>
+      </p:nvGrpSpPr>
+      <p:grpSpPr>
+        <a:xfrm>
+          <a:off x="0" y="0"/>
+          <a:ext cx="0" cy="0"/>
+          <a:chOff x="0" y="0"/>
+          <a:chExt cx="0" cy="0"/>
+        </a:xfrm>
+      </p:grpSpPr>
+      <p:sp>
+        <p:nvSpPr>
+          <p:cNvPr id="2" name="Titel 1"/>
+          <p:cNvSpPr>
+            <a:spLocks noGrp="1"/>
+          </p:cNvSpPr>
+          <p:nvPr>
+            <p:ph type="title"/>
+          </p:nvPr>
+        </p:nvSpPr>
+        <p:spPr/>
+        <p:txBody>
+          <a:bodyPr/>
+          <a:lstStyle/>
+          <a:p>
+            <a:r>
+              <a:rPr lang="de-DE" dirty="0" smtClean="0"/>
+              <a:t>Koordinatensystem</a:t>
+            </a:r>
+            <a:endParaRPr lang="de-DE" dirty="0"/>
+          </a:p>
+        </p:txBody>
+      </p:sp>
+      <p:sp>
+        <p:nvSpPr>
+          <p:cNvPr id="3" name="Inhaltsplatzhalter 2"/>
+          <p:cNvSpPr>
+            <a:spLocks noGrp="1"/>
+          </p:cNvSpPr>
+          <p:nvPr>
+            <p:ph idx="1"/>
+          </p:nvPr>
+        </p:nvSpPr>
+        <p:spPr/>
+        <p:txBody>
+          <a:bodyPr/>
+          <a:lstStyle/>
+          <a:p>
+            <a:endParaRPr lang="de-DE"/>
+          </a:p>
+        </p:txBody>
+      </p:sp>
+    </p:spTree>
+    <p:extLst>
+      <p:ext uri="{BB962C8B-B14F-4D97-AF65-F5344CB8AC3E}">
+        <p14:creationId xmlns:p14="http://schemas.microsoft.com/office/powerpoint/2010/main" val="1189668921"/>
       </p:ext>
     </p:extLst>
   </p:cSld>
@@ -7332,6 +7456,78 @@
     <p:extLst>
       <p:ext uri="{BB962C8B-B14F-4D97-AF65-F5344CB8AC3E}">
         <p14:creationId xmlns:p14="http://schemas.microsoft.com/office/powerpoint/2010/main" val="4262621528"/>
+      </p:ext>
+    </p:extLst>
+  </p:cSld>
+  <p:clrMapOvr>
+    <a:masterClrMapping/>
+  </p:clrMapOvr>
+</p:sld>
+</file>
+
+<file path=ppt/slides/slide20.xml><?xml version="1.0" encoding="utf-8"?>
+<p:sld xmlns:a="http://schemas.openxmlformats.org/drawingml/2006/main" xmlns:r="http://schemas.openxmlformats.org/officeDocument/2006/relationships" xmlns:p="http://schemas.openxmlformats.org/presentationml/2006/main">
+  <p:cSld>
+    <p:spTree>
+      <p:nvGrpSpPr>
+        <p:cNvPr id="1" name=""/>
+        <p:cNvGrpSpPr/>
+        <p:nvPr/>
+      </p:nvGrpSpPr>
+      <p:grpSpPr>
+        <a:xfrm>
+          <a:off x="0" y="0"/>
+          <a:ext cx="0" cy="0"/>
+          <a:chOff x="0" y="0"/>
+          <a:chExt cx="0" cy="0"/>
+        </a:xfrm>
+      </p:grpSpPr>
+      <p:sp>
+        <p:nvSpPr>
+          <p:cNvPr id="2" name="Titel 1"/>
+          <p:cNvSpPr>
+            <a:spLocks noGrp="1"/>
+          </p:cNvSpPr>
+          <p:nvPr>
+            <p:ph type="title"/>
+          </p:nvPr>
+        </p:nvSpPr>
+        <p:spPr/>
+        <p:txBody>
+          <a:bodyPr/>
+          <a:lstStyle/>
+          <a:p>
+            <a:r>
+              <a:rPr lang="de-DE" dirty="0" smtClean="0"/>
+              <a:t>Schlussfolgerung</a:t>
+            </a:r>
+            <a:endParaRPr lang="de-DE" dirty="0"/>
+          </a:p>
+        </p:txBody>
+      </p:sp>
+      <p:sp>
+        <p:nvSpPr>
+          <p:cNvPr id="3" name="Inhaltsplatzhalter 2"/>
+          <p:cNvSpPr>
+            <a:spLocks noGrp="1"/>
+          </p:cNvSpPr>
+          <p:nvPr>
+            <p:ph idx="1"/>
+          </p:nvPr>
+        </p:nvSpPr>
+        <p:spPr/>
+        <p:txBody>
+          <a:bodyPr/>
+          <a:lstStyle/>
+          <a:p>
+            <a:endParaRPr lang="de-DE"/>
+          </a:p>
+        </p:txBody>
+      </p:sp>
+    </p:spTree>
+    <p:extLst>
+      <p:ext uri="{BB962C8B-B14F-4D97-AF65-F5344CB8AC3E}">
+        <p14:creationId xmlns:p14="http://schemas.microsoft.com/office/powerpoint/2010/main" val="1213722107"/>
       </p:ext>
     </p:extLst>
   </p:cSld>
@@ -7453,25 +7649,30 @@
           </a:p>
         </p:txBody>
       </p:sp>
-      <p:sp>
-        <p:nvSpPr>
-          <p:cNvPr id="3" name="Inhaltsplatzhalter 2"/>
-          <p:cNvSpPr>
-            <a:spLocks noGrp="1"/>
-          </p:cNvSpPr>
-          <p:nvPr>
-            <p:ph idx="1"/>
-          </p:nvPr>
-        </p:nvSpPr>
-        <p:spPr/>
-        <p:txBody>
-          <a:bodyPr/>
-          <a:lstStyle/>
-          <a:p>
-            <a:endParaRPr lang="de-DE" dirty="0"/>
-          </a:p>
-        </p:txBody>
-      </p:sp>
+      <p:pic>
+        <p:nvPicPr>
+          <p:cNvPr id="4" name="Grafik 3"/>
+          <p:cNvPicPr>
+            <a:picLocks noChangeAspect="1"/>
+          </p:cNvPicPr>
+          <p:nvPr/>
+        </p:nvPicPr>
+        <p:blipFill>
+          <a:blip r:embed="rId2"/>
+          <a:stretch>
+            <a:fillRect/>
+          </a:stretch>
+        </p:blipFill>
+        <p:spPr>
+          <a:xfrm>
+            <a:off x="2677947" y="924634"/>
+            <a:ext cx="7068331" cy="5444161"/>
+          </a:xfrm>
+          <a:prstGeom prst="rect">
+            <a:avLst/>
+          </a:prstGeom>
+        </p:spPr>
+      </p:pic>
     </p:spTree>
     <p:extLst>
       <p:ext uri="{BB962C8B-B14F-4D97-AF65-F5344CB8AC3E}">
@@ -7663,35 +7864,40 @@
           <a:p>
             <a:r>
               <a:rPr lang="de-DE" dirty="0" smtClean="0"/>
-              <a:t>Bildbearbeitung</a:t>
+              <a:t>Ablaufdiagramm</a:t>
             </a:r>
             <a:endParaRPr lang="de-DE" dirty="0"/>
           </a:p>
         </p:txBody>
       </p:sp>
-      <p:sp>
-        <p:nvSpPr>
-          <p:cNvPr id="3" name="Inhaltsplatzhalter 2"/>
-          <p:cNvSpPr>
-            <a:spLocks noGrp="1"/>
-          </p:cNvSpPr>
-          <p:nvPr>
-            <p:ph idx="1"/>
-          </p:nvPr>
-        </p:nvSpPr>
-        <p:spPr/>
-        <p:txBody>
-          <a:bodyPr/>
-          <a:lstStyle/>
-          <a:p>
-            <a:endParaRPr lang="de-DE"/>
-          </a:p>
-        </p:txBody>
-      </p:sp>
+      <p:pic>
+        <p:nvPicPr>
+          <p:cNvPr id="4" name="Grafik 3"/>
+          <p:cNvPicPr>
+            <a:picLocks noChangeAspect="1"/>
+          </p:cNvPicPr>
+          <p:nvPr/>
+        </p:nvPicPr>
+        <p:blipFill>
+          <a:blip r:embed="rId2"/>
+          <a:stretch>
+            <a:fillRect/>
+          </a:stretch>
+        </p:blipFill>
+        <p:spPr>
+          <a:xfrm>
+            <a:off x="1857326" y="770021"/>
+            <a:ext cx="9272682" cy="5546558"/>
+          </a:xfrm>
+          <a:prstGeom prst="rect">
+            <a:avLst/>
+          </a:prstGeom>
+        </p:spPr>
+      </p:pic>
     </p:spTree>
     <p:extLst>
       <p:ext uri="{BB962C8B-B14F-4D97-AF65-F5344CB8AC3E}">
-        <p14:creationId xmlns:p14="http://schemas.microsoft.com/office/powerpoint/2010/main" val="1981688110"/>
+        <p14:creationId xmlns:p14="http://schemas.microsoft.com/office/powerpoint/2010/main" val="1495416891"/>
       </p:ext>
     </p:extLst>
   </p:cSld>
@@ -7735,35 +7941,40 @@
           <a:p>
             <a:r>
               <a:rPr lang="de-DE" dirty="0" smtClean="0"/>
-              <a:t>Bilderkennung</a:t>
+              <a:t>Bildbearbeitung</a:t>
             </a:r>
             <a:endParaRPr lang="de-DE" dirty="0"/>
           </a:p>
         </p:txBody>
       </p:sp>
-      <p:sp>
-        <p:nvSpPr>
-          <p:cNvPr id="3" name="Inhaltsplatzhalter 2"/>
-          <p:cNvSpPr>
-            <a:spLocks noGrp="1"/>
-          </p:cNvSpPr>
-          <p:nvPr>
-            <p:ph idx="1"/>
-          </p:nvPr>
-        </p:nvSpPr>
-        <p:spPr/>
-        <p:txBody>
-          <a:bodyPr/>
-          <a:lstStyle/>
-          <a:p>
-            <a:endParaRPr lang="de-DE"/>
-          </a:p>
-        </p:txBody>
-      </p:sp>
+      <p:pic>
+        <p:nvPicPr>
+          <p:cNvPr id="4" name="Grafik 3"/>
+          <p:cNvPicPr>
+            <a:picLocks noChangeAspect="1"/>
+          </p:cNvPicPr>
+          <p:nvPr/>
+        </p:nvPicPr>
+        <p:blipFill>
+          <a:blip r:embed="rId2"/>
+          <a:stretch>
+            <a:fillRect/>
+          </a:stretch>
+        </p:blipFill>
+        <p:spPr>
+          <a:xfrm>
+            <a:off x="1283713" y="3061746"/>
+            <a:ext cx="10419907" cy="841799"/>
+          </a:xfrm>
+          <a:prstGeom prst="rect">
+            <a:avLst/>
+          </a:prstGeom>
+        </p:spPr>
+      </p:pic>
     </p:spTree>
     <p:extLst>
       <p:ext uri="{BB962C8B-B14F-4D97-AF65-F5344CB8AC3E}">
-        <p14:creationId xmlns:p14="http://schemas.microsoft.com/office/powerpoint/2010/main" val="2141025952"/>
+        <p14:creationId xmlns:p14="http://schemas.microsoft.com/office/powerpoint/2010/main" val="1981688110"/>
       </p:ext>
     </p:extLst>
   </p:cSld>
@@ -7806,52 +8017,99 @@
           <a:lstStyle/>
           <a:p>
             <a:r>
-              <a:rPr lang="de-DE" dirty="0" err="1" smtClean="0"/>
-              <a:t>Detection</a:t>
-            </a:r>
-            <a:r>
               <a:rPr lang="de-DE" dirty="0" smtClean="0"/>
-              <a:t> </a:t>
-            </a:r>
-            <a:r>
-              <a:rPr lang="de-DE" dirty="0" err="1" smtClean="0"/>
-              <a:t>vs</a:t>
-            </a:r>
-            <a:r>
-              <a:rPr lang="de-DE" dirty="0" smtClean="0"/>
-              <a:t> </a:t>
-            </a:r>
-            <a:r>
-              <a:rPr lang="de-DE" dirty="0" err="1" smtClean="0"/>
-              <a:t>Tracker</a:t>
+              <a:t>Bilderkennung</a:t>
             </a:r>
             <a:endParaRPr lang="de-DE" dirty="0"/>
           </a:p>
         </p:txBody>
       </p:sp>
-      <p:sp>
-        <p:nvSpPr>
-          <p:cNvPr id="3" name="Inhaltsplatzhalter 2"/>
-          <p:cNvSpPr>
-            <a:spLocks noGrp="1"/>
-          </p:cNvSpPr>
-          <p:nvPr>
-            <p:ph idx="1"/>
-          </p:nvPr>
-        </p:nvSpPr>
-        <p:spPr/>
-        <p:txBody>
-          <a:bodyPr/>
-          <a:lstStyle/>
-          <a:p>
-            <a:endParaRPr lang="de-DE"/>
-          </a:p>
-        </p:txBody>
-      </p:sp>
+      <p:pic>
+        <p:nvPicPr>
+          <p:cNvPr id="4" name="Grafik 3"/>
+          <p:cNvPicPr>
+            <a:picLocks noChangeAspect="1"/>
+          </p:cNvPicPr>
+          <p:nvPr/>
+        </p:nvPicPr>
+        <p:blipFill rotWithShape="1">
+          <a:blip r:embed="rId2">
+            <a:extLst>
+              <a:ext uri="{28A0092B-C50C-407E-A947-70E740481C1C}">
+                <a14:useLocalDpi xmlns:a14="http://schemas.microsoft.com/office/drawing/2010/main" val="0"/>
+              </a:ext>
+            </a:extLst>
+          </a:blip>
+          <a:srcRect l="1286" t="45000" r="908"/>
+          <a:stretch/>
+        </p:blipFill>
+        <p:spPr>
+          <a:xfrm>
+            <a:off x="3616231" y="1515268"/>
+            <a:ext cx="4933950" cy="3771900"/>
+          </a:xfrm>
+          <a:prstGeom prst="rect">
+            <a:avLst/>
+          </a:prstGeom>
+        </p:spPr>
+      </p:pic>
+      <p:pic>
+        <p:nvPicPr>
+          <p:cNvPr id="5" name="Grafik 4"/>
+          <p:cNvPicPr>
+            <a:picLocks noChangeAspect="1"/>
+          </p:cNvPicPr>
+          <p:nvPr/>
+        </p:nvPicPr>
+        <p:blipFill rotWithShape="1">
+          <a:blip r:embed="rId2">
+            <a:extLst>
+              <a:ext uri="{28A0092B-C50C-407E-A947-70E740481C1C}">
+                <a14:useLocalDpi xmlns:a14="http://schemas.microsoft.com/office/drawing/2010/main" val="0"/>
+              </a:ext>
+            </a:extLst>
+          </a:blip>
+          <a:srcRect l="1098" t="738" r="1098" b="54860"/>
+          <a:stretch/>
+        </p:blipFill>
+        <p:spPr>
+          <a:xfrm>
+            <a:off x="7148699" y="3441700"/>
+            <a:ext cx="4923246" cy="3038419"/>
+          </a:xfrm>
+          <a:prstGeom prst="rect">
+            <a:avLst/>
+          </a:prstGeom>
+        </p:spPr>
+      </p:pic>
+      <p:pic>
+        <p:nvPicPr>
+          <p:cNvPr id="6" name="Grafik 5"/>
+          <p:cNvPicPr>
+            <a:picLocks noChangeAspect="1"/>
+          </p:cNvPicPr>
+          <p:nvPr/>
+        </p:nvPicPr>
+        <p:blipFill>
+          <a:blip r:embed="rId3"/>
+          <a:stretch>
+            <a:fillRect/>
+          </a:stretch>
+        </p:blipFill>
+        <p:spPr>
+          <a:xfrm>
+            <a:off x="1412745" y="1140037"/>
+            <a:ext cx="2060997" cy="4638463"/>
+          </a:xfrm>
+          <a:prstGeom prst="rect">
+            <a:avLst/>
+          </a:prstGeom>
+        </p:spPr>
+      </p:pic>
     </p:spTree>
     <p:extLst>
       <p:ext uri="{BB962C8B-B14F-4D97-AF65-F5344CB8AC3E}">
-        <p14:creationId xmlns:p14="http://schemas.microsoft.com/office/powerpoint/2010/main" val="1835470089"/>
+        <p14:creationId xmlns:p14="http://schemas.microsoft.com/office/powerpoint/2010/main" val="2141025952"/>
       </p:ext>
     </p:extLst>
   </p:cSld>
